--- a/ClassMaterials/Polymorphism/Slides/Part1-Review.pptx
+++ b/ClassMaterials/Polymorphism/Slides/Part1-Review.pptx
@@ -167,6 +167,75 @@
 </p:presentation>
 </file>
 
+<file path=ppt/revisionInfo.xml><?xml version="1.0" encoding="utf-8"?>
+<p1510:revInfo xmlns:a="http://schemas.openxmlformats.org/drawingml/2006/main" xmlns:r="http://schemas.openxmlformats.org/officeDocument/2006/relationships" xmlns:p1510="http://schemas.microsoft.com/office/powerpoint/2015/10/main">
+  <p1510:revLst>
+    <p1510:client id="{B67DBCC5-97E5-4BED-A47D-DD0F247841DC}" v="1" dt="2023-11-20T22:01:17.332"/>
+  </p1510:revLst>
+</p1510:revInfo>
+</file>
+
+<file path=ppt/changesInfos/changesInfo1.xml><?xml version="1.0" encoding="utf-8"?>
+<pc:chgInfo xmlns:a="http://schemas.openxmlformats.org/drawingml/2006/main" xmlns:r="http://schemas.openxmlformats.org/officeDocument/2006/relationships" xmlns:ac="http://schemas.microsoft.com/office/drawing/2013/main/command" xmlns:pc="http://schemas.microsoft.com/office/powerpoint/2013/main/command">
+  <pc:docChgLst>
+    <pc:chgData name="Yoder, Jason" userId="28f4d4d8-da04-4f86-b14d-a21675737bc5" providerId="ADAL" clId="{B67DBCC5-97E5-4BED-A47D-DD0F247841DC}"/>
+    <pc:docChg chg="modSld">
+      <pc:chgData name="Yoder, Jason" userId="28f4d4d8-da04-4f86-b14d-a21675737bc5" providerId="ADAL" clId="{B67DBCC5-97E5-4BED-A47D-DD0F247841DC}" dt="2023-11-20T22:01:23.451" v="66" actId="20577"/>
+      <pc:docMkLst>
+        <pc:docMk/>
+      </pc:docMkLst>
+      <pc:sldChg chg="modSp mod modNotesTx">
+        <pc:chgData name="Yoder, Jason" userId="28f4d4d8-da04-4f86-b14d-a21675737bc5" providerId="ADAL" clId="{B67DBCC5-97E5-4BED-A47D-DD0F247841DC}" dt="2023-11-20T22:01:23.451" v="66" actId="20577"/>
+        <pc:sldMkLst>
+          <pc:docMk/>
+          <pc:sldMk cId="0" sldId="256"/>
+        </pc:sldMkLst>
+        <pc:spChg chg="mod">
+          <ac:chgData name="Yoder, Jason" userId="28f4d4d8-da04-4f86-b14d-a21675737bc5" providerId="ADAL" clId="{B67DBCC5-97E5-4BED-A47D-DD0F247841DC}" dt="2023-11-20T22:00:57.585" v="56" actId="114"/>
+          <ac:spMkLst>
+            <pc:docMk/>
+            <pc:sldMk cId="0" sldId="256"/>
+            <ac:spMk id="3" creationId="{DCADCFF2-6A28-6705-83AE-520F2DC40839}"/>
+          </ac:spMkLst>
+        </pc:spChg>
+        <pc:spChg chg="mod">
+          <ac:chgData name="Yoder, Jason" userId="28f4d4d8-da04-4f86-b14d-a21675737bc5" providerId="ADAL" clId="{B67DBCC5-97E5-4BED-A47D-DD0F247841DC}" dt="2023-11-20T21:59:52.885" v="9" actId="20577"/>
+          <ac:spMkLst>
+            <pc:docMk/>
+            <pc:sldMk cId="0" sldId="256"/>
+            <ac:spMk id="4" creationId="{4B793868-49AF-8D0C-1B29-0F7552B74EBF}"/>
+          </ac:spMkLst>
+        </pc:spChg>
+      </pc:sldChg>
+    </pc:docChg>
+  </pc:docChgLst>
+  <pc:docChgLst>
+    <pc:chgData name="Yoder, Jason" userId="28f4d4d8-da04-4f86-b14d-a21675737bc5" providerId="ADAL" clId="{3C7B983A-4E7A-4C8A-B4A3-6ED9BF246CDD}"/>
+    <pc:docChg chg="modSld">
+      <pc:chgData name="Yoder, Jason" userId="28f4d4d8-da04-4f86-b14d-a21675737bc5" providerId="ADAL" clId="{3C7B983A-4E7A-4C8A-B4A3-6ED9BF246CDD}" dt="2023-10-12T11:55:07.238" v="1" actId="6549"/>
+      <pc:docMkLst>
+        <pc:docMk/>
+      </pc:docMkLst>
+      <pc:sldChg chg="modSp mod">
+        <pc:chgData name="Yoder, Jason" userId="28f4d4d8-da04-4f86-b14d-a21675737bc5" providerId="ADAL" clId="{3C7B983A-4E7A-4C8A-B4A3-6ED9BF246CDD}" dt="2023-10-12T11:55:07.238" v="1" actId="6549"/>
+        <pc:sldMkLst>
+          <pc:docMk/>
+          <pc:sldMk cId="0" sldId="256"/>
+        </pc:sldMkLst>
+        <pc:spChg chg="mod">
+          <ac:chgData name="Yoder, Jason" userId="28f4d4d8-da04-4f86-b14d-a21675737bc5" providerId="ADAL" clId="{3C7B983A-4E7A-4C8A-B4A3-6ED9BF246CDD}" dt="2023-10-12T11:55:07.238" v="1" actId="6549"/>
+          <ac:spMkLst>
+            <pc:docMk/>
+            <pc:sldMk cId="0" sldId="256"/>
+            <ac:spMk id="3" creationId="{DCADCFF2-6A28-6705-83AE-520F2DC40839}"/>
+          </ac:spMkLst>
+        </pc:spChg>
+      </pc:sldChg>
+    </pc:docChg>
+  </pc:docChgLst>
+</pc:chgInfo>
+</file>
+
 <file path=ppt/handoutMasters/handoutMaster1.xml><?xml version="1.0" encoding="utf-8"?>
 <p:handoutMaster xmlns:a="http://schemas.openxmlformats.org/drawingml/2006/main" xmlns:r="http://schemas.openxmlformats.org/officeDocument/2006/relationships" xmlns:p="http://schemas.openxmlformats.org/presentationml/2006/main">
   <p:cSld>
@@ -281,7 +350,7 @@
             <a:fld id="{ECBF209B-4218-4079-9616-A9269F4CC73C}" type="datetime1">
               <a:rPr lang="en-US"/>
               <a:pPr/>
-              <a:t>11/22/2022</a:t>
+              <a:t>11/20/2023</a:t>
             </a:fld>
             <a:endParaRPr lang="en-US"/>
           </a:p>
@@ -510,7 +579,7 @@
             <a:fld id="{B559E319-A60F-49C1-A33A-1D7F30BB782C}" type="datetime1">
               <a:rPr lang="en-US"/>
               <a:pPr/>
-              <a:t>11/22/2022</a:t>
+              <a:t>11/20/2023</a:t>
             </a:fld>
             <a:endParaRPr lang="en-US"/>
           </a:p>
@@ -947,11 +1016,26 @@
             </a:r>
             <a:r>
               <a:rPr lang="en-US" dirty="0" err="1"/>
-              <a:t>PolymorphismSolution</a:t>
+              <a:t>PracticeSolutionPolymorphism</a:t>
             </a:r>
             <a:r>
               <a:rPr lang="en-US" dirty="0"/>
-              <a:t> that have TODO items.  Highlight the TODO items so you can keep moving.</a:t>
+              <a:t> that have TODO items.  </a:t>
+            </a:r>
+          </a:p>
+          <a:p>
+            <a:pPr eaLnBrk="1" hangingPunct="1">
+              <a:spcBef>
+                <a:spcPct val="0"/>
+              </a:spcBef>
+            </a:pPr>
+            <a:r>
+              <a:rPr lang="en-US"/>
+              <a:t>Highlight </a:t>
+            </a:r>
+            <a:r>
+              <a:rPr lang="en-US" dirty="0"/>
+              <a:t>the TODO items so you can keep moving.</a:t>
             </a:r>
           </a:p>
           <a:p>
@@ -2141,7 +2225,7 @@
             <a:fld id="{4F998A34-C17F-4144-B18D-28D9EDD25B8E}" type="datetime1">
               <a:rPr lang="en-US"/>
               <a:pPr/>
-              <a:t>11/22/2022</a:t>
+              <a:t>11/20/2023</a:t>
             </a:fld>
             <a:endParaRPr lang="en-US"/>
           </a:p>
@@ -2353,7 +2437,7 @@
             <a:fld id="{56C527D4-D4E1-4627-B2DD-D20438D659CD}" type="datetime1">
               <a:rPr lang="en-US"/>
               <a:pPr/>
-              <a:t>11/22/2022</a:t>
+              <a:t>11/20/2023</a:t>
             </a:fld>
             <a:endParaRPr lang="en-US"/>
           </a:p>
@@ -2560,7 +2644,7 @@
             <a:fld id="{94E2F403-08D3-4AC5-A4E3-123833600C6A}" type="datetime1">
               <a:rPr lang="en-US"/>
               <a:pPr/>
-              <a:t>11/22/2022</a:t>
+              <a:t>11/20/2023</a:t>
             </a:fld>
             <a:endParaRPr lang="en-US"/>
           </a:p>
@@ -2757,7 +2841,7 @@
             <a:fld id="{786D30A6-83C9-4F95-ACA3-B2BB1DD542CE}" type="datetime1">
               <a:rPr lang="en-US"/>
               <a:pPr/>
-              <a:t>11/22/2022</a:t>
+              <a:t>11/20/2023</a:t>
             </a:fld>
             <a:endParaRPr lang="en-US"/>
           </a:p>
@@ -3133,7 +3217,7 @@
             <a:fld id="{213C1A93-21D8-41D5-AD69-01D2BE5079B6}" type="datetime1">
               <a:rPr lang="en-US"/>
               <a:pPr/>
-              <a:t>11/22/2022</a:t>
+              <a:t>11/20/2023</a:t>
             </a:fld>
             <a:endParaRPr lang="en-US"/>
           </a:p>
@@ -3428,7 +3512,7 @@
             <a:fld id="{255447DE-6436-4341-AB4E-0BA0FA9898A3}" type="datetime1">
               <a:rPr lang="en-US"/>
               <a:pPr/>
-              <a:t>11/22/2022</a:t>
+              <a:t>11/20/2023</a:t>
             </a:fld>
             <a:endParaRPr lang="en-US"/>
           </a:p>
@@ -3869,7 +3953,7 @@
             <a:fld id="{88F5A316-F744-4385-8FDE-64047407295F}" type="datetime1">
               <a:rPr lang="en-US"/>
               <a:pPr/>
-              <a:t>11/22/2022</a:t>
+              <a:t>11/20/2023</a:t>
             </a:fld>
             <a:endParaRPr lang="en-US"/>
           </a:p>
@@ -4020,7 +4104,7 @@
             <a:fld id="{83818973-995F-4078-9072-7FFC81CB1E04}" type="datetime1">
               <a:rPr lang="en-US"/>
               <a:pPr/>
-              <a:t>11/22/2022</a:t>
+              <a:t>11/20/2023</a:t>
             </a:fld>
             <a:endParaRPr lang="en-US"/>
           </a:p>
@@ -4144,7 +4228,7 @@
             <a:fld id="{BF0EEE60-F2F8-4134-AC1E-9DD5C8105591}" type="datetime1">
               <a:rPr lang="en-US"/>
               <a:pPr/>
-              <a:t>11/22/2022</a:t>
+              <a:t>11/20/2023</a:t>
             </a:fld>
             <a:endParaRPr lang="en-US"/>
           </a:p>
@@ -4436,7 +4520,7 @@
             <a:fld id="{3ABF3968-792E-48CF-9F22-05BC6B8559DA}" type="datetime1">
               <a:rPr lang="en-US"/>
               <a:pPr/>
-              <a:t>11/22/2022</a:t>
+              <a:t>11/20/2023</a:t>
             </a:fld>
             <a:endParaRPr lang="en-US"/>
           </a:p>
@@ -5171,7 +5255,7 @@
             <a:fld id="{80927E99-3B54-454C-8CDF-F2F5C2849B92}" type="datetime1">
               <a:rPr lang="en-US"/>
               <a:pPr/>
-              <a:t>11/22/2022</a:t>
+              <a:t>11/20/2023</a:t>
             </a:fld>
             <a:endParaRPr lang="en-US"/>
           </a:p>
@@ -5441,7 +5525,7 @@
             <a:fld id="{6EC5FA0E-C174-4CFB-8CA2-D461EAACEA40}" type="datetime1">
               <a:rPr lang="en-US"/>
               <a:pPr/>
-              <a:t>11/22/2022</a:t>
+              <a:t>11/20/2023</a:t>
             </a:fld>
             <a:endParaRPr lang="en-US"/>
           </a:p>
@@ -6088,8 +6172,8 @@
         </p:nvSpPr>
         <p:spPr>
           <a:xfrm>
-            <a:off x="304800" y="5257800"/>
-            <a:ext cx="8534400" cy="1295400"/>
+            <a:off x="304800" y="4723439"/>
+            <a:ext cx="8534400" cy="1829761"/>
           </a:xfrm>
           <a:prstGeom prst="rect">
             <a:avLst/>
@@ -6155,7 +6239,7 @@
             </a:pPr>
             <a:r>
               <a:rPr lang="en-US" sz="2400" i="1" dirty="0" err="1"/>
-              <a:t>PracticeIPolymorphism</a:t>
+              <a:t>PracticePolymorphism</a:t>
             </a:r>
             <a:endParaRPr lang="en-US" sz="2400" i="1" dirty="0"/>
           </a:p>
@@ -6166,7 +6250,24 @@
             </a:pPr>
             <a:r>
               <a:rPr lang="en-US" sz="2400" i="1" dirty="0" err="1"/>
-              <a:t>PracticeIPolymorphismSolution</a:t>
+              <a:t>PracticePolymorphismSolution</a:t>
+            </a:r>
+            <a:endParaRPr lang="en-US" sz="2400" i="1" dirty="0"/>
+          </a:p>
+          <a:p>
+            <a:r>
+              <a:rPr lang="en-US" sz="2400" dirty="0"/>
+              <a:t>The Quiz for today is:</a:t>
+            </a:r>
+          </a:p>
+          <a:p>
+            <a:pPr marL="342900" indent="-342900">
+              <a:buFont typeface="Arial" panose="020B0604020202020204" pitchFamily="34" charset="0"/>
+              <a:buChar char="•"/>
+            </a:pPr>
+            <a:r>
+              <a:rPr lang="en-US" sz="2400" i="1" dirty="0" err="1"/>
+              <a:t>PolymorphismQuiz</a:t>
             </a:r>
             <a:endParaRPr lang="en-US" sz="2400" i="1" dirty="0"/>
           </a:p>
@@ -6228,18 +6329,13 @@
           </a:p>
           <a:p>
             <a:r>
-              <a:rPr lang="en-US" sz="4400" dirty="0" err="1">
+              <a:rPr lang="en-US" sz="4400" dirty="0">
                 <a:highlight>
                   <a:srgbClr val="FFFF00"/>
                 </a:highlight>
               </a:rPr>
-              <a:t>manyshapes</a:t>
+              <a:t>__________</a:t>
             </a:r>
-            <a:endParaRPr lang="en-US" sz="4400" dirty="0">
-              <a:highlight>
-                <a:srgbClr val="FFFF00"/>
-              </a:highlight>
-            </a:endParaRPr>
           </a:p>
         </p:txBody>
       </p:sp>

--- a/ClassMaterials/Polymorphism/Slides/Part1-Review.pptx
+++ b/ClassMaterials/Polymorphism/Slides/Part1-Review.pptx
@@ -180,18 +180,18 @@
   <pc:docChgLst>
     <pc:chgData name="Yoder, Jason" userId="28f4d4d8-da04-4f86-b14d-a21675737bc5" providerId="ADAL" clId="{B67DBCC5-97E5-4BED-A47D-DD0F247841DC}"/>
     <pc:docChg chg="modSld">
-      <pc:chgData name="Yoder, Jason" userId="28f4d4d8-da04-4f86-b14d-a21675737bc5" providerId="ADAL" clId="{B67DBCC5-97E5-4BED-A47D-DD0F247841DC}" dt="2023-11-20T22:01:23.451" v="66" actId="20577"/>
+      <pc:chgData name="Yoder, Jason" userId="28f4d4d8-da04-4f86-b14d-a21675737bc5" providerId="ADAL" clId="{B67DBCC5-97E5-4BED-A47D-DD0F247841DC}" dt="2023-11-21T17:25:53.094" v="67" actId="14100"/>
       <pc:docMkLst>
         <pc:docMk/>
       </pc:docMkLst>
       <pc:sldChg chg="modSp mod modNotesTx">
-        <pc:chgData name="Yoder, Jason" userId="28f4d4d8-da04-4f86-b14d-a21675737bc5" providerId="ADAL" clId="{B67DBCC5-97E5-4BED-A47D-DD0F247841DC}" dt="2023-11-20T22:01:23.451" v="66" actId="20577"/>
+        <pc:chgData name="Yoder, Jason" userId="28f4d4d8-da04-4f86-b14d-a21675737bc5" providerId="ADAL" clId="{B67DBCC5-97E5-4BED-A47D-DD0F247841DC}" dt="2023-11-21T17:25:53.094" v="67" actId="14100"/>
         <pc:sldMkLst>
           <pc:docMk/>
           <pc:sldMk cId="0" sldId="256"/>
         </pc:sldMkLst>
         <pc:spChg chg="mod">
-          <ac:chgData name="Yoder, Jason" userId="28f4d4d8-da04-4f86-b14d-a21675737bc5" providerId="ADAL" clId="{B67DBCC5-97E5-4BED-A47D-DD0F247841DC}" dt="2023-11-20T22:00:57.585" v="56" actId="114"/>
+          <ac:chgData name="Yoder, Jason" userId="28f4d4d8-da04-4f86-b14d-a21675737bc5" providerId="ADAL" clId="{B67DBCC5-97E5-4BED-A47D-DD0F247841DC}" dt="2023-11-21T17:25:53.094" v="67" actId="14100"/>
           <ac:spMkLst>
             <pc:docMk/>
             <pc:sldMk cId="0" sldId="256"/>
@@ -350,7 +350,7 @@
             <a:fld id="{ECBF209B-4218-4079-9616-A9269F4CC73C}" type="datetime1">
               <a:rPr lang="en-US"/>
               <a:pPr/>
-              <a:t>11/20/2023</a:t>
+              <a:t>11/21/2023</a:t>
             </a:fld>
             <a:endParaRPr lang="en-US"/>
           </a:p>
@@ -579,7 +579,7 @@
             <a:fld id="{B559E319-A60F-49C1-A33A-1D7F30BB782C}" type="datetime1">
               <a:rPr lang="en-US"/>
               <a:pPr/>
-              <a:t>11/20/2023</a:t>
+              <a:t>11/21/2023</a:t>
             </a:fld>
             <a:endParaRPr lang="en-US"/>
           </a:p>
@@ -959,7 +959,7 @@
           </a:ln>
           <a:extLst>
             <a:ext uri="{909E8E84-426E-40dd-AFC4-6F175D3DCCD1}">
-              <a14:hiddenFill xmlns:a14="http://schemas.microsoft.com/office/drawing/2010/main" xmlns="">
+              <a14:hiddenFill xmlns="" xmlns:a14="http://schemas.microsoft.com/office/drawing/2010/main">
                 <a:solidFill>
                   <a:srgbClr val="FFFFFF"/>
                 </a:solidFill>
@@ -983,14 +983,14 @@
           <a:ln/>
           <a:extLst>
             <a:ext uri="{909E8E84-426E-40dd-AFC4-6F175D3DCCD1}">
-              <a14:hiddenFill xmlns:a14="http://schemas.microsoft.com/office/drawing/2010/main" xmlns="">
+              <a14:hiddenFill xmlns="" xmlns:a14="http://schemas.microsoft.com/office/drawing/2010/main">
                 <a:solidFill>
                   <a:srgbClr val="FFFFFF"/>
                 </a:solidFill>
               </a14:hiddenFill>
             </a:ext>
             <a:ext uri="{91240B29-F687-4f45-9708-019B960494DF}">
-              <a14:hiddenLine xmlns:a14="http://schemas.microsoft.com/office/drawing/2010/main" xmlns="" w="9525">
+              <a14:hiddenLine xmlns="" xmlns:a14="http://schemas.microsoft.com/office/drawing/2010/main" w="9525">
                 <a:solidFill>
                   <a:srgbClr val="000000"/>
                 </a:solidFill>
@@ -1063,14 +1063,14 @@
           <a:ln/>
           <a:extLst>
             <a:ext uri="{909E8E84-426E-40dd-AFC4-6F175D3DCCD1}">
-              <a14:hiddenFill xmlns:a14="http://schemas.microsoft.com/office/drawing/2010/main" xmlns="">
+              <a14:hiddenFill xmlns="" xmlns:a14="http://schemas.microsoft.com/office/drawing/2010/main">
                 <a:solidFill>
                   <a:srgbClr val="FFFFFF"/>
                 </a:solidFill>
               </a14:hiddenFill>
             </a:ext>
             <a:ext uri="{91240B29-F687-4f45-9708-019B960494DF}">
-              <a14:hiddenLine xmlns:a14="http://schemas.microsoft.com/office/drawing/2010/main" xmlns="" w="9525">
+              <a14:hiddenLine xmlns="" xmlns:a14="http://schemas.microsoft.com/office/drawing/2010/main" w="9525">
                 <a:solidFill>
                   <a:srgbClr val="000000"/>
                 </a:solidFill>
@@ -1647,7 +1647,7 @@
           </a:ln>
           <a:extLst>
             <a:ext uri="{909E8E84-426E-40dd-AFC4-6F175D3DCCD1}">
-              <a14:hiddenFill xmlns:a14="http://schemas.microsoft.com/office/drawing/2010/main" xmlns="">
+              <a14:hiddenFill xmlns="" xmlns:a14="http://schemas.microsoft.com/office/drawing/2010/main">
                 <a:solidFill>
                   <a:srgbClr val="FFFFFF"/>
                 </a:solidFill>
@@ -1671,14 +1671,14 @@
           <a:ln/>
           <a:extLst>
             <a:ext uri="{909E8E84-426E-40dd-AFC4-6F175D3DCCD1}">
-              <a14:hiddenFill xmlns:a14="http://schemas.microsoft.com/office/drawing/2010/main" xmlns="">
+              <a14:hiddenFill xmlns="" xmlns:a14="http://schemas.microsoft.com/office/drawing/2010/main">
                 <a:solidFill>
                   <a:srgbClr val="FFFFFF"/>
                 </a:solidFill>
               </a14:hiddenFill>
             </a:ext>
             <a:ext uri="{91240B29-F687-4f45-9708-019B960494DF}">
-              <a14:hiddenLine xmlns:a14="http://schemas.microsoft.com/office/drawing/2010/main" xmlns="" w="9525">
+              <a14:hiddenLine xmlns="" xmlns:a14="http://schemas.microsoft.com/office/drawing/2010/main" w="9525">
                 <a:solidFill>
                   <a:srgbClr val="000000"/>
                 </a:solidFill>
@@ -2225,7 +2225,7 @@
             <a:fld id="{4F998A34-C17F-4144-B18D-28D9EDD25B8E}" type="datetime1">
               <a:rPr lang="en-US"/>
               <a:pPr/>
-              <a:t>11/20/2023</a:t>
+              <a:t>11/21/2023</a:t>
             </a:fld>
             <a:endParaRPr lang="en-US"/>
           </a:p>
@@ -2437,7 +2437,7 @@
             <a:fld id="{56C527D4-D4E1-4627-B2DD-D20438D659CD}" type="datetime1">
               <a:rPr lang="en-US"/>
               <a:pPr/>
-              <a:t>11/20/2023</a:t>
+              <a:t>11/21/2023</a:t>
             </a:fld>
             <a:endParaRPr lang="en-US"/>
           </a:p>
@@ -2644,7 +2644,7 @@
             <a:fld id="{94E2F403-08D3-4AC5-A4E3-123833600C6A}" type="datetime1">
               <a:rPr lang="en-US"/>
               <a:pPr/>
-              <a:t>11/20/2023</a:t>
+              <a:t>11/21/2023</a:t>
             </a:fld>
             <a:endParaRPr lang="en-US"/>
           </a:p>
@@ -2841,7 +2841,7 @@
             <a:fld id="{786D30A6-83C9-4F95-ACA3-B2BB1DD542CE}" type="datetime1">
               <a:rPr lang="en-US"/>
               <a:pPr/>
-              <a:t>11/20/2023</a:t>
+              <a:t>11/21/2023</a:t>
             </a:fld>
             <a:endParaRPr lang="en-US"/>
           </a:p>
@@ -3217,7 +3217,7 @@
             <a:fld id="{213C1A93-21D8-41D5-AD69-01D2BE5079B6}" type="datetime1">
               <a:rPr lang="en-US"/>
               <a:pPr/>
-              <a:t>11/20/2023</a:t>
+              <a:t>11/21/2023</a:t>
             </a:fld>
             <a:endParaRPr lang="en-US"/>
           </a:p>
@@ -3512,7 +3512,7 @@
             <a:fld id="{255447DE-6436-4341-AB4E-0BA0FA9898A3}" type="datetime1">
               <a:rPr lang="en-US"/>
               <a:pPr/>
-              <a:t>11/20/2023</a:t>
+              <a:t>11/21/2023</a:t>
             </a:fld>
             <a:endParaRPr lang="en-US"/>
           </a:p>
@@ -3953,7 +3953,7 @@
             <a:fld id="{88F5A316-F744-4385-8FDE-64047407295F}" type="datetime1">
               <a:rPr lang="en-US"/>
               <a:pPr/>
-              <a:t>11/20/2023</a:t>
+              <a:t>11/21/2023</a:t>
             </a:fld>
             <a:endParaRPr lang="en-US"/>
           </a:p>
@@ -4104,7 +4104,7 @@
             <a:fld id="{83818973-995F-4078-9072-7FFC81CB1E04}" type="datetime1">
               <a:rPr lang="en-US"/>
               <a:pPr/>
-              <a:t>11/20/2023</a:t>
+              <a:t>11/21/2023</a:t>
             </a:fld>
             <a:endParaRPr lang="en-US"/>
           </a:p>
@@ -4228,7 +4228,7 @@
             <a:fld id="{BF0EEE60-F2F8-4134-AC1E-9DD5C8105591}" type="datetime1">
               <a:rPr lang="en-US"/>
               <a:pPr/>
-              <a:t>11/20/2023</a:t>
+              <a:t>11/21/2023</a:t>
             </a:fld>
             <a:endParaRPr lang="en-US"/>
           </a:p>
@@ -4520,7 +4520,7 @@
             <a:fld id="{3ABF3968-792E-48CF-9F22-05BC6B8559DA}" type="datetime1">
               <a:rPr lang="en-US"/>
               <a:pPr/>
-              <a:t>11/20/2023</a:t>
+              <a:t>11/21/2023</a:t>
             </a:fld>
             <a:endParaRPr lang="en-US"/>
           </a:p>
@@ -5255,7 +5255,7 @@
             <a:fld id="{80927E99-3B54-454C-8CDF-F2F5C2849B92}" type="datetime1">
               <a:rPr lang="en-US"/>
               <a:pPr/>
-              <a:t>11/20/2023</a:t>
+              <a:t>11/21/2023</a:t>
             </a:fld>
             <a:endParaRPr lang="en-US"/>
           </a:p>
@@ -5429,14 +5429,14 @@
           </a:ln>
           <a:extLst>
             <a:ext uri="{909E8E84-426E-40dd-AFC4-6F175D3DCCD1}">
-              <a14:hiddenFill xmlns:a14="http://schemas.microsoft.com/office/drawing/2010/main" xmlns="">
+              <a14:hiddenFill xmlns="" xmlns:a14="http://schemas.microsoft.com/office/drawing/2010/main">
                 <a:solidFill>
                   <a:srgbClr val="FFFFFF"/>
                 </a:solidFill>
               </a14:hiddenFill>
             </a:ext>
             <a:ext uri="{91240B29-F687-4f45-9708-019B960494DF}">
-              <a14:hiddenLine xmlns:a14="http://schemas.microsoft.com/office/drawing/2010/main" xmlns="" w="9525">
+              <a14:hiddenLine xmlns="" xmlns:a14="http://schemas.microsoft.com/office/drawing/2010/main" w="9525">
                 <a:solidFill>
                   <a:srgbClr val="000000"/>
                 </a:solidFill>
@@ -5525,7 +5525,7 @@
             <a:fld id="{6EC5FA0E-C174-4CFB-8CA2-D461EAACEA40}" type="datetime1">
               <a:rPr lang="en-US"/>
               <a:pPr/>
-              <a:t>11/20/2023</a:t>
+              <a:t>11/21/2023</a:t>
             </a:fld>
             <a:endParaRPr lang="en-US"/>
           </a:p>
@@ -6172,8 +6172,8 @@
         </p:nvSpPr>
         <p:spPr>
           <a:xfrm>
-            <a:off x="304800" y="4723439"/>
-            <a:ext cx="8534400" cy="1829761"/>
+            <a:off x="304800" y="4495801"/>
+            <a:ext cx="8534400" cy="2057400"/>
           </a:xfrm>
           <a:prstGeom prst="rect">
             <a:avLst/>
@@ -13524,9 +13524,12 @@
 </file>
 
 <file path=customXml/item1.xml><?xml version="1.0" encoding="utf-8"?>
-<p:properties xmlns:p="http://schemas.microsoft.com/office/2006/metadata/properties" xmlns:xsi="http://www.w3.org/2001/XMLSchema-instance" xmlns:pc="http://schemas.microsoft.com/office/infopath/2007/PartnerControls">
-  <documentManagement/>
-</p:properties>
+<?mso-contentType ?>
+<FormTemplates xmlns="http://schemas.microsoft.com/sharepoint/v3/contenttype/forms">
+  <Display>DocumentLibraryForm</Display>
+  <Edit>DocumentLibraryForm</Edit>
+  <New>DocumentLibraryForm</New>
+</FormTemplates>
 </file>
 
 <file path=customXml/item2.xml><?xml version="1.0" encoding="utf-8"?>
@@ -13700,19 +13703,15 @@
 </file>
 
 <file path=customXml/item3.xml><?xml version="1.0" encoding="utf-8"?>
-<?mso-contentType ?>
-<FormTemplates xmlns="http://schemas.microsoft.com/sharepoint/v3/contenttype/forms">
-  <Display>DocumentLibraryForm</Display>
-  <Edit>DocumentLibraryForm</Edit>
-  <New>DocumentLibraryForm</New>
-</FormTemplates>
+<p:properties xmlns:p="http://schemas.microsoft.com/office/2006/metadata/properties" xmlns:xsi="http://www.w3.org/2001/XMLSchema-instance" xmlns:pc="http://schemas.microsoft.com/office/infopath/2007/PartnerControls">
+  <documentManagement/>
+</p:properties>
 </file>
 
 <file path=customXml/itemProps1.xml><?xml version="1.0" encoding="utf-8"?>
-<ds:datastoreItem xmlns:ds="http://schemas.openxmlformats.org/officeDocument/2006/customXml" ds:itemID="{2B3F61BD-BC02-4B8C-AD9A-DFC07AE334C2}">
+<ds:datastoreItem xmlns:ds="http://schemas.openxmlformats.org/officeDocument/2006/customXml" ds:itemID="{639C0DF1-D44A-4A56-82A9-CDA5D2FBC8F5}">
   <ds:schemaRefs>
-    <ds:schemaRef ds:uri="http://schemas.microsoft.com/office/2006/metadata/properties"/>
-    <ds:schemaRef ds:uri="http://schemas.microsoft.com/office/infopath/2007/PartnerControls"/>
+    <ds:schemaRef ds:uri="http://schemas.microsoft.com/sharepoint/v3/contenttype/forms"/>
   </ds:schemaRefs>
 </ds:datastoreItem>
 </file>
@@ -13736,9 +13735,10 @@
 </file>
 
 <file path=customXml/itemProps3.xml><?xml version="1.0" encoding="utf-8"?>
-<ds:datastoreItem xmlns:ds="http://schemas.openxmlformats.org/officeDocument/2006/customXml" ds:itemID="{639C0DF1-D44A-4A56-82A9-CDA5D2FBC8F5}">
+<ds:datastoreItem xmlns:ds="http://schemas.openxmlformats.org/officeDocument/2006/customXml" ds:itemID="{2B3F61BD-BC02-4B8C-AD9A-DFC07AE334C2}">
   <ds:schemaRefs>
-    <ds:schemaRef ds:uri="http://schemas.microsoft.com/sharepoint/v3/contenttype/forms"/>
+    <ds:schemaRef ds:uri="http://schemas.microsoft.com/office/2006/metadata/properties"/>
+    <ds:schemaRef ds:uri="http://schemas.microsoft.com/office/infopath/2007/PartnerControls"/>
   </ds:schemaRefs>
 </ds:datastoreItem>
 </file>
--- a/ClassMaterials/Polymorphism/Slides/Part1-Review.pptx
+++ b/ClassMaterials/Polymorphism/Slides/Part1-Review.pptx
@@ -350,7 +350,7 @@
             <a:fld id="{ECBF209B-4218-4079-9616-A9269F4CC73C}" type="datetime1">
               <a:rPr lang="en-US"/>
               <a:pPr/>
-              <a:t>11/21/2023</a:t>
+              <a:t>2/26/2024</a:t>
             </a:fld>
             <a:endParaRPr lang="en-US"/>
           </a:p>
@@ -579,7 +579,7 @@
             <a:fld id="{B559E319-A60F-49C1-A33A-1D7F30BB782C}" type="datetime1">
               <a:rPr lang="en-US"/>
               <a:pPr/>
-              <a:t>11/21/2023</a:t>
+              <a:t>2/26/2024</a:t>
             </a:fld>
             <a:endParaRPr lang="en-US"/>
           </a:p>
@@ -2225,7 +2225,7 @@
             <a:fld id="{4F998A34-C17F-4144-B18D-28D9EDD25B8E}" type="datetime1">
               <a:rPr lang="en-US"/>
               <a:pPr/>
-              <a:t>11/21/2023</a:t>
+              <a:t>2/26/2024</a:t>
             </a:fld>
             <a:endParaRPr lang="en-US"/>
           </a:p>
@@ -2437,7 +2437,7 @@
             <a:fld id="{56C527D4-D4E1-4627-B2DD-D20438D659CD}" type="datetime1">
               <a:rPr lang="en-US"/>
               <a:pPr/>
-              <a:t>11/21/2023</a:t>
+              <a:t>2/26/2024</a:t>
             </a:fld>
             <a:endParaRPr lang="en-US"/>
           </a:p>
@@ -2644,7 +2644,7 @@
             <a:fld id="{94E2F403-08D3-4AC5-A4E3-123833600C6A}" type="datetime1">
               <a:rPr lang="en-US"/>
               <a:pPr/>
-              <a:t>11/21/2023</a:t>
+              <a:t>2/26/2024</a:t>
             </a:fld>
             <a:endParaRPr lang="en-US"/>
           </a:p>
@@ -2841,7 +2841,7 @@
             <a:fld id="{786D30A6-83C9-4F95-ACA3-B2BB1DD542CE}" type="datetime1">
               <a:rPr lang="en-US"/>
               <a:pPr/>
-              <a:t>11/21/2023</a:t>
+              <a:t>2/26/2024</a:t>
             </a:fld>
             <a:endParaRPr lang="en-US"/>
           </a:p>
@@ -3217,7 +3217,7 @@
             <a:fld id="{213C1A93-21D8-41D5-AD69-01D2BE5079B6}" type="datetime1">
               <a:rPr lang="en-US"/>
               <a:pPr/>
-              <a:t>11/21/2023</a:t>
+              <a:t>2/26/2024</a:t>
             </a:fld>
             <a:endParaRPr lang="en-US"/>
           </a:p>
@@ -3512,7 +3512,7 @@
             <a:fld id="{255447DE-6436-4341-AB4E-0BA0FA9898A3}" type="datetime1">
               <a:rPr lang="en-US"/>
               <a:pPr/>
-              <a:t>11/21/2023</a:t>
+              <a:t>2/26/2024</a:t>
             </a:fld>
             <a:endParaRPr lang="en-US"/>
           </a:p>
@@ -3953,7 +3953,7 @@
             <a:fld id="{88F5A316-F744-4385-8FDE-64047407295F}" type="datetime1">
               <a:rPr lang="en-US"/>
               <a:pPr/>
-              <a:t>11/21/2023</a:t>
+              <a:t>2/26/2024</a:t>
             </a:fld>
             <a:endParaRPr lang="en-US"/>
           </a:p>
@@ -4104,7 +4104,7 @@
             <a:fld id="{83818973-995F-4078-9072-7FFC81CB1E04}" type="datetime1">
               <a:rPr lang="en-US"/>
               <a:pPr/>
-              <a:t>11/21/2023</a:t>
+              <a:t>2/26/2024</a:t>
             </a:fld>
             <a:endParaRPr lang="en-US"/>
           </a:p>
@@ -4228,7 +4228,7 @@
             <a:fld id="{BF0EEE60-F2F8-4134-AC1E-9DD5C8105591}" type="datetime1">
               <a:rPr lang="en-US"/>
               <a:pPr/>
-              <a:t>11/21/2023</a:t>
+              <a:t>2/26/2024</a:t>
             </a:fld>
             <a:endParaRPr lang="en-US"/>
           </a:p>
@@ -4520,7 +4520,7 @@
             <a:fld id="{3ABF3968-792E-48CF-9F22-05BC6B8559DA}" type="datetime1">
               <a:rPr lang="en-US"/>
               <a:pPr/>
-              <a:t>11/21/2023</a:t>
+              <a:t>2/26/2024</a:t>
             </a:fld>
             <a:endParaRPr lang="en-US"/>
           </a:p>
@@ -5255,7 +5255,7 @@
             <a:fld id="{80927E99-3B54-454C-8CDF-F2F5C2849B92}" type="datetime1">
               <a:rPr lang="en-US"/>
               <a:pPr/>
-              <a:t>11/21/2023</a:t>
+              <a:t>2/26/2024</a:t>
             </a:fld>
             <a:endParaRPr lang="en-US"/>
           </a:p>
@@ -5525,7 +5525,7 @@
             <a:fld id="{6EC5FA0E-C174-4CFB-8CA2-D461EAACEA40}" type="datetime1">
               <a:rPr lang="en-US"/>
               <a:pPr/>
-              <a:t>11/21/2023</a:t>
+              <a:t>2/26/2024</a:t>
             </a:fld>
             <a:endParaRPr lang="en-US"/>
           </a:p>
@@ -6329,13 +6329,18 @@
           </a:p>
           <a:p>
             <a:r>
-              <a:rPr lang="en-US" sz="4400" dirty="0">
+              <a:rPr lang="en-US" sz="4400">
                 <a:highlight>
                   <a:srgbClr val="FFFF00"/>
                 </a:highlight>
               </a:rPr>
               <a:t>__________</a:t>
             </a:r>
+            <a:endParaRPr lang="en-US" sz="4400" dirty="0">
+              <a:highlight>
+                <a:srgbClr val="FFFF00"/>
+              </a:highlight>
+            </a:endParaRPr>
           </a:p>
         </p:txBody>
       </p:sp>
@@ -13524,6 +13529,12 @@
 </file>
 
 <file path=customXml/item1.xml><?xml version="1.0" encoding="utf-8"?>
+<p:properties xmlns:p="http://schemas.microsoft.com/office/2006/metadata/properties" xmlns:xsi="http://www.w3.org/2001/XMLSchema-instance" xmlns:pc="http://schemas.microsoft.com/office/infopath/2007/PartnerControls">
+  <documentManagement/>
+</p:properties>
+</file>
+
+<file path=customXml/item2.xml><?xml version="1.0" encoding="utf-8"?>
 <?mso-contentType ?>
 <FormTemplates xmlns="http://schemas.microsoft.com/sharepoint/v3/contenttype/forms">
   <Display>DocumentLibraryForm</Display>
@@ -13532,7 +13543,7 @@
 </FormTemplates>
 </file>
 
-<file path=customXml/item2.xml><?xml version="1.0" encoding="utf-8"?>
+<file path=customXml/item3.xml><?xml version="1.0" encoding="utf-8"?>
 <ct:contentTypeSchema xmlns:ct="http://schemas.microsoft.com/office/2006/metadata/contentType" xmlns:ma="http://schemas.microsoft.com/office/2006/metadata/properties/metaAttributes" ct:_="" ma:_="" ma:contentTypeName="Document" ma:contentTypeID="0x010100E8198676DDC35447841EAD4118865182" ma:contentTypeVersion="8" ma:contentTypeDescription="Create a new document." ma:contentTypeScope="" ma:versionID="409f084546473adcfc8c9a0ca3418e0a">
   <xsd:schema xmlns:xsd="http://www.w3.org/2001/XMLSchema" xmlns:xs="http://www.w3.org/2001/XMLSchema" xmlns:p="http://schemas.microsoft.com/office/2006/metadata/properties" xmlns:ns2="bf598113-d4f2-4b32-9cc6-7c1b743cc8da" targetNamespace="http://schemas.microsoft.com/office/2006/metadata/properties" ma:root="true" ma:fieldsID="66d6f437b2d5e4e3722ea8782d239ba0" ns2:_="">
     <xsd:import namespace="bf598113-d4f2-4b32-9cc6-7c1b743cc8da"/>
@@ -13702,13 +13713,16 @@
 </ct:contentTypeSchema>
 </file>
 
-<file path=customXml/item3.xml><?xml version="1.0" encoding="utf-8"?>
-<p:properties xmlns:p="http://schemas.microsoft.com/office/2006/metadata/properties" xmlns:xsi="http://www.w3.org/2001/XMLSchema-instance" xmlns:pc="http://schemas.microsoft.com/office/infopath/2007/PartnerControls">
-  <documentManagement/>
-</p:properties>
+<file path=customXml/itemProps1.xml><?xml version="1.0" encoding="utf-8"?>
+<ds:datastoreItem xmlns:ds="http://schemas.openxmlformats.org/officeDocument/2006/customXml" ds:itemID="{2B3F61BD-BC02-4B8C-AD9A-DFC07AE334C2}">
+  <ds:schemaRefs>
+    <ds:schemaRef ds:uri="http://schemas.microsoft.com/office/2006/metadata/properties"/>
+    <ds:schemaRef ds:uri="http://schemas.microsoft.com/office/infopath/2007/PartnerControls"/>
+  </ds:schemaRefs>
+</ds:datastoreItem>
 </file>
 
-<file path=customXml/itemProps1.xml><?xml version="1.0" encoding="utf-8"?>
+<file path=customXml/itemProps2.xml><?xml version="1.0" encoding="utf-8"?>
 <ds:datastoreItem xmlns:ds="http://schemas.openxmlformats.org/officeDocument/2006/customXml" ds:itemID="{639C0DF1-D44A-4A56-82A9-CDA5D2FBC8F5}">
   <ds:schemaRefs>
     <ds:schemaRef ds:uri="http://schemas.microsoft.com/sharepoint/v3/contenttype/forms"/>
@@ -13716,7 +13730,7 @@
 </ds:datastoreItem>
 </file>
 
-<file path=customXml/itemProps2.xml><?xml version="1.0" encoding="utf-8"?>
+<file path=customXml/itemProps3.xml><?xml version="1.0" encoding="utf-8"?>
 <ds:datastoreItem xmlns:ds="http://schemas.openxmlformats.org/officeDocument/2006/customXml" ds:itemID="{5CB887C0-B66B-4F12-8525-3290A2625B93}">
   <ds:schemaRefs>
     <ds:schemaRef ds:uri="http://schemas.microsoft.com/office/2006/metadata/contentType"/>
@@ -13732,13 +13746,4 @@
     <ds:schemaRef ds:uri="http://schemas.microsoft.com/internal/obd"/>
   </ds:schemaRefs>
 </ds:datastoreItem>
-</file>
-
-<file path=customXml/itemProps3.xml><?xml version="1.0" encoding="utf-8"?>
-<ds:datastoreItem xmlns:ds="http://schemas.openxmlformats.org/officeDocument/2006/customXml" ds:itemID="{2B3F61BD-BC02-4B8C-AD9A-DFC07AE334C2}">
-  <ds:schemaRefs>
-    <ds:schemaRef ds:uri="http://schemas.microsoft.com/office/2006/metadata/properties"/>
-    <ds:schemaRef ds:uri="http://schemas.microsoft.com/office/infopath/2007/PartnerControls"/>
-  </ds:schemaRefs>
-</ds:datastoreItem>
 </file>
--- a/ClassMaterials/Polymorphism/Slides/Part1-Review.pptx
+++ b/ClassMaterials/Polymorphism/Slides/Part1-Review.pptx
@@ -350,7 +350,7 @@
             <a:fld id="{ECBF209B-4218-4079-9616-A9269F4CC73C}" type="datetime1">
               <a:rPr lang="en-US"/>
               <a:pPr/>
-              <a:t>2/26/2024</a:t>
+              <a:t>4/22/2025</a:t>
             </a:fld>
             <a:endParaRPr lang="en-US"/>
           </a:p>
@@ -579,7 +579,7 @@
             <a:fld id="{B559E319-A60F-49C1-A33A-1D7F30BB782C}" type="datetime1">
               <a:rPr lang="en-US"/>
               <a:pPr/>
-              <a:t>2/26/2024</a:t>
+              <a:t>4/22/2025</a:t>
             </a:fld>
             <a:endParaRPr lang="en-US"/>
           </a:p>
@@ -959,7 +959,7 @@
           </a:ln>
           <a:extLst>
             <a:ext uri="{909E8E84-426E-40dd-AFC4-6F175D3DCCD1}">
-              <a14:hiddenFill xmlns="" xmlns:a14="http://schemas.microsoft.com/office/drawing/2010/main">
+              <a14:hiddenFill xmlns:a14="http://schemas.microsoft.com/office/drawing/2010/main" xmlns="">
                 <a:solidFill>
                   <a:srgbClr val="FFFFFF"/>
                 </a:solidFill>
@@ -983,14 +983,14 @@
           <a:ln/>
           <a:extLst>
             <a:ext uri="{909E8E84-426E-40dd-AFC4-6F175D3DCCD1}">
-              <a14:hiddenFill xmlns="" xmlns:a14="http://schemas.microsoft.com/office/drawing/2010/main">
+              <a14:hiddenFill xmlns:a14="http://schemas.microsoft.com/office/drawing/2010/main" xmlns="">
                 <a:solidFill>
                   <a:srgbClr val="FFFFFF"/>
                 </a:solidFill>
               </a14:hiddenFill>
             </a:ext>
             <a:ext uri="{91240B29-F687-4f45-9708-019B960494DF}">
-              <a14:hiddenLine xmlns="" xmlns:a14="http://schemas.microsoft.com/office/drawing/2010/main" w="9525">
+              <a14:hiddenLine xmlns:a14="http://schemas.microsoft.com/office/drawing/2010/main" xmlns="" w="9525">
                 <a:solidFill>
                   <a:srgbClr val="000000"/>
                 </a:solidFill>
@@ -1063,14 +1063,14 @@
           <a:ln/>
           <a:extLst>
             <a:ext uri="{909E8E84-426E-40dd-AFC4-6F175D3DCCD1}">
-              <a14:hiddenFill xmlns="" xmlns:a14="http://schemas.microsoft.com/office/drawing/2010/main">
+              <a14:hiddenFill xmlns:a14="http://schemas.microsoft.com/office/drawing/2010/main" xmlns="">
                 <a:solidFill>
                   <a:srgbClr val="FFFFFF"/>
                 </a:solidFill>
               </a14:hiddenFill>
             </a:ext>
             <a:ext uri="{91240B29-F687-4f45-9708-019B960494DF}">
-              <a14:hiddenLine xmlns="" xmlns:a14="http://schemas.microsoft.com/office/drawing/2010/main" w="9525">
+              <a14:hiddenLine xmlns:a14="http://schemas.microsoft.com/office/drawing/2010/main" xmlns="" w="9525">
                 <a:solidFill>
                   <a:srgbClr val="000000"/>
                 </a:solidFill>
@@ -1647,7 +1647,7 @@
           </a:ln>
           <a:extLst>
             <a:ext uri="{909E8E84-426E-40dd-AFC4-6F175D3DCCD1}">
-              <a14:hiddenFill xmlns="" xmlns:a14="http://schemas.microsoft.com/office/drawing/2010/main">
+              <a14:hiddenFill xmlns:a14="http://schemas.microsoft.com/office/drawing/2010/main" xmlns="">
                 <a:solidFill>
                   <a:srgbClr val="FFFFFF"/>
                 </a:solidFill>
@@ -1671,14 +1671,14 @@
           <a:ln/>
           <a:extLst>
             <a:ext uri="{909E8E84-426E-40dd-AFC4-6F175D3DCCD1}">
-              <a14:hiddenFill xmlns="" xmlns:a14="http://schemas.microsoft.com/office/drawing/2010/main">
+              <a14:hiddenFill xmlns:a14="http://schemas.microsoft.com/office/drawing/2010/main" xmlns="">
                 <a:solidFill>
                   <a:srgbClr val="FFFFFF"/>
                 </a:solidFill>
               </a14:hiddenFill>
             </a:ext>
             <a:ext uri="{91240B29-F687-4f45-9708-019B960494DF}">
-              <a14:hiddenLine xmlns="" xmlns:a14="http://schemas.microsoft.com/office/drawing/2010/main" w="9525">
+              <a14:hiddenLine xmlns:a14="http://schemas.microsoft.com/office/drawing/2010/main" xmlns="" w="9525">
                 <a:solidFill>
                   <a:srgbClr val="000000"/>
                 </a:solidFill>
@@ -2225,7 +2225,7 @@
             <a:fld id="{4F998A34-C17F-4144-B18D-28D9EDD25B8E}" type="datetime1">
               <a:rPr lang="en-US"/>
               <a:pPr/>
-              <a:t>2/26/2024</a:t>
+              <a:t>4/22/2025</a:t>
             </a:fld>
             <a:endParaRPr lang="en-US"/>
           </a:p>
@@ -2437,7 +2437,7 @@
             <a:fld id="{56C527D4-D4E1-4627-B2DD-D20438D659CD}" type="datetime1">
               <a:rPr lang="en-US"/>
               <a:pPr/>
-              <a:t>2/26/2024</a:t>
+              <a:t>4/22/2025</a:t>
             </a:fld>
             <a:endParaRPr lang="en-US"/>
           </a:p>
@@ -2644,7 +2644,7 @@
             <a:fld id="{94E2F403-08D3-4AC5-A4E3-123833600C6A}" type="datetime1">
               <a:rPr lang="en-US"/>
               <a:pPr/>
-              <a:t>2/26/2024</a:t>
+              <a:t>4/22/2025</a:t>
             </a:fld>
             <a:endParaRPr lang="en-US"/>
           </a:p>
@@ -2841,7 +2841,7 @@
             <a:fld id="{786D30A6-83C9-4F95-ACA3-B2BB1DD542CE}" type="datetime1">
               <a:rPr lang="en-US"/>
               <a:pPr/>
-              <a:t>2/26/2024</a:t>
+              <a:t>4/22/2025</a:t>
             </a:fld>
             <a:endParaRPr lang="en-US"/>
           </a:p>
@@ -3217,7 +3217,7 @@
             <a:fld id="{213C1A93-21D8-41D5-AD69-01D2BE5079B6}" type="datetime1">
               <a:rPr lang="en-US"/>
               <a:pPr/>
-              <a:t>2/26/2024</a:t>
+              <a:t>4/22/2025</a:t>
             </a:fld>
             <a:endParaRPr lang="en-US"/>
           </a:p>
@@ -3512,7 +3512,7 @@
             <a:fld id="{255447DE-6436-4341-AB4E-0BA0FA9898A3}" type="datetime1">
               <a:rPr lang="en-US"/>
               <a:pPr/>
-              <a:t>2/26/2024</a:t>
+              <a:t>4/22/2025</a:t>
             </a:fld>
             <a:endParaRPr lang="en-US"/>
           </a:p>
@@ -3953,7 +3953,7 @@
             <a:fld id="{88F5A316-F744-4385-8FDE-64047407295F}" type="datetime1">
               <a:rPr lang="en-US"/>
               <a:pPr/>
-              <a:t>2/26/2024</a:t>
+              <a:t>4/22/2025</a:t>
             </a:fld>
             <a:endParaRPr lang="en-US"/>
           </a:p>
@@ -4104,7 +4104,7 @@
             <a:fld id="{83818973-995F-4078-9072-7FFC81CB1E04}" type="datetime1">
               <a:rPr lang="en-US"/>
               <a:pPr/>
-              <a:t>2/26/2024</a:t>
+              <a:t>4/22/2025</a:t>
             </a:fld>
             <a:endParaRPr lang="en-US"/>
           </a:p>
@@ -4228,7 +4228,7 @@
             <a:fld id="{BF0EEE60-F2F8-4134-AC1E-9DD5C8105591}" type="datetime1">
               <a:rPr lang="en-US"/>
               <a:pPr/>
-              <a:t>2/26/2024</a:t>
+              <a:t>4/22/2025</a:t>
             </a:fld>
             <a:endParaRPr lang="en-US"/>
           </a:p>
@@ -4520,7 +4520,7 @@
             <a:fld id="{3ABF3968-792E-48CF-9F22-05BC6B8559DA}" type="datetime1">
               <a:rPr lang="en-US"/>
               <a:pPr/>
-              <a:t>2/26/2024</a:t>
+              <a:t>4/22/2025</a:t>
             </a:fld>
             <a:endParaRPr lang="en-US"/>
           </a:p>
@@ -5255,7 +5255,7 @@
             <a:fld id="{80927E99-3B54-454C-8CDF-F2F5C2849B92}" type="datetime1">
               <a:rPr lang="en-US"/>
               <a:pPr/>
-              <a:t>2/26/2024</a:t>
+              <a:t>4/22/2025</a:t>
             </a:fld>
             <a:endParaRPr lang="en-US"/>
           </a:p>
@@ -5429,14 +5429,14 @@
           </a:ln>
           <a:extLst>
             <a:ext uri="{909E8E84-426E-40dd-AFC4-6F175D3DCCD1}">
-              <a14:hiddenFill xmlns="" xmlns:a14="http://schemas.microsoft.com/office/drawing/2010/main">
+              <a14:hiddenFill xmlns:a14="http://schemas.microsoft.com/office/drawing/2010/main" xmlns="">
                 <a:solidFill>
                   <a:srgbClr val="FFFFFF"/>
                 </a:solidFill>
               </a14:hiddenFill>
             </a:ext>
             <a:ext uri="{91240B29-F687-4f45-9708-019B960494DF}">
-              <a14:hiddenLine xmlns="" xmlns:a14="http://schemas.microsoft.com/office/drawing/2010/main" w="9525">
+              <a14:hiddenLine xmlns:a14="http://schemas.microsoft.com/office/drawing/2010/main" xmlns="" w="9525">
                 <a:solidFill>
                   <a:srgbClr val="000000"/>
                 </a:solidFill>
@@ -5525,7 +5525,7 @@
             <a:fld id="{6EC5FA0E-C174-4CFB-8CA2-D461EAACEA40}" type="datetime1">
               <a:rPr lang="en-US"/>
               <a:pPr/>
-              <a:t>2/26/2024</a:t>
+              <a:t>4/22/2025</a:t>
             </a:fld>
             <a:endParaRPr lang="en-US"/>
           </a:p>
@@ -6273,77 +6273,6 @@
           </a:p>
         </p:txBody>
       </p:sp>
-      <p:sp>
-        <p:nvSpPr>
-          <p:cNvPr id="4" name="TextBox 3">
-            <a:extLst>
-              <a:ext uri="{FF2B5EF4-FFF2-40B4-BE49-F238E27FC236}">
-                <a16:creationId xmlns:a16="http://schemas.microsoft.com/office/drawing/2014/main" id="{4B793868-49AF-8D0C-1B29-0F7552B74EBF}"/>
-              </a:ext>
-            </a:extLst>
-          </p:cNvPr>
-          <p:cNvSpPr txBox="1"/>
-          <p:nvPr/>
-        </p:nvSpPr>
-        <p:spPr>
-          <a:xfrm>
-            <a:off x="4572000" y="-40807"/>
-            <a:ext cx="4343401" cy="1046440"/>
-          </a:xfrm>
-          <a:prstGeom prst="rect">
-            <a:avLst/>
-          </a:prstGeom>
-          <a:noFill/>
-          <a:ln w="12700" cap="flat">
-            <a:noFill/>
-            <a:miter lim="400000"/>
-          </a:ln>
-          <a:effectLst/>
-        </p:spPr>
-        <p:style>
-          <a:lnRef idx="0">
-            <a:scrgbClr r="0" g="0" b="0"/>
-          </a:lnRef>
-          <a:fillRef idx="0">
-            <a:scrgbClr r="0" g="0" b="0"/>
-          </a:fillRef>
-          <a:effectRef idx="0">
-            <a:scrgbClr r="0" g="0" b="0"/>
-          </a:effectRef>
-          <a:fontRef idx="none"/>
-        </p:style>
-        <p:txBody>
-          <a:bodyPr wrap="square">
-            <a:spAutoFit/>
-          </a:bodyPr>
-          <a:lstStyle/>
-          <a:p>
-            <a:r>
-              <a:rPr lang="en-US" dirty="0">
-                <a:highlight>
-                  <a:srgbClr val="FFFF00"/>
-                </a:highlight>
-              </a:rPr>
-              <a:t>Today’s Attendance password</a:t>
-            </a:r>
-          </a:p>
-          <a:p>
-            <a:r>
-              <a:rPr lang="en-US" sz="4400">
-                <a:highlight>
-                  <a:srgbClr val="FFFF00"/>
-                </a:highlight>
-              </a:rPr>
-              <a:t>__________</a:t>
-            </a:r>
-            <a:endParaRPr lang="en-US" sz="4400" dirty="0">
-              <a:highlight>
-                <a:srgbClr val="FFFF00"/>
-              </a:highlight>
-            </a:endParaRPr>
-          </a:p>
-        </p:txBody>
-      </p:sp>
       <p:pic>
         <p:nvPicPr>
           <p:cNvPr id="5" name="Picture 4">
@@ -6374,6 +6303,69 @@
           </a:prstGeom>
         </p:spPr>
       </p:pic>
+      <p:sp>
+        <p:nvSpPr>
+          <p:cNvPr id="6" name="Shape 54">
+            <a:extLst>
+              <a:ext uri="{FF2B5EF4-FFF2-40B4-BE49-F238E27FC236}">
+                <a16:creationId xmlns:a16="http://schemas.microsoft.com/office/drawing/2014/main" id="{6379D16C-6184-349A-EE60-CA652E2E5F47}"/>
+              </a:ext>
+            </a:extLst>
+          </p:cNvPr>
+          <p:cNvSpPr/>
+          <p:nvPr/>
+        </p:nvSpPr>
+        <p:spPr>
+          <a:xfrm>
+            <a:off x="5672507" y="120198"/>
+            <a:ext cx="3346430" cy="738664"/>
+          </a:xfrm>
+          <a:prstGeom prst="rect">
+            <a:avLst/>
+          </a:prstGeom>
+          <a:solidFill>
+            <a:srgbClr val="9BBB59"/>
+          </a:solidFill>
+          <a:ln w="25400" cap="rnd">
+            <a:solidFill>
+              <a:srgbClr val="718841"/>
+            </a:solidFill>
+          </a:ln>
+          <a:extLst>
+            <a:ext uri="{C572A759-6A51-4108-AA02-DFA0A04FC94B}">
+              <ma14:wrappingTextBoxFlag xmlns:ma14="http://schemas.microsoft.com/office/mac/drawingml/2011/main" xmlns="" val="1"/>
+            </a:ext>
+          </a:extLst>
+        </p:spPr>
+        <p:txBody>
+          <a:bodyPr wrap="square" lIns="0" tIns="0" rIns="0" bIns="0">
+            <a:spAutoFit/>
+          </a:bodyPr>
+          <a:lstStyle/>
+          <a:p>
+            <a:pPr lvl="0"/>
+            <a:r>
+              <a:rPr lang="en-US" sz="2400" i="1" dirty="0">
+                <a:solidFill>
+                  <a:srgbClr val="FFFFFF"/>
+                </a:solidFill>
+              </a:rPr>
+              <a:t> Attendance password    </a:t>
+            </a:r>
+          </a:p>
+          <a:p>
+            <a:pPr lvl="0"/>
+            <a:r>
+              <a:rPr lang="en-US" sz="2400" i="1" dirty="0">
+                <a:solidFill>
+                  <a:srgbClr val="FFFFFF"/>
+                </a:solidFill>
+              </a:rPr>
+              <a:t> is written on the board</a:t>
+            </a:r>
+          </a:p>
+        </p:txBody>
+      </p:sp>
     </p:spTree>
   </p:cSld>
   <p:clrMapOvr>
@@ -13529,18 +13521,18 @@
 </file>
 
 <file path=customXml/item1.xml><?xml version="1.0" encoding="utf-8"?>
-<p:properties xmlns:p="http://schemas.microsoft.com/office/2006/metadata/properties" xmlns:xsi="http://www.w3.org/2001/XMLSchema-instance" xmlns:pc="http://schemas.microsoft.com/office/infopath/2007/PartnerControls">
-  <documentManagement/>
-</p:properties>
-</file>
-
-<file path=customXml/item2.xml><?xml version="1.0" encoding="utf-8"?>
 <?mso-contentType ?>
 <FormTemplates xmlns="http://schemas.microsoft.com/sharepoint/v3/contenttype/forms">
   <Display>DocumentLibraryForm</Display>
   <Edit>DocumentLibraryForm</Edit>
   <New>DocumentLibraryForm</New>
 </FormTemplates>
+</file>
+
+<file path=customXml/item2.xml><?xml version="1.0" encoding="utf-8"?>
+<p:properties xmlns:p="http://schemas.microsoft.com/office/2006/metadata/properties" xmlns:xsi="http://www.w3.org/2001/XMLSchema-instance" xmlns:pc="http://schemas.microsoft.com/office/infopath/2007/PartnerControls">
+  <documentManagement/>
+</p:properties>
 </file>
 
 <file path=customXml/item3.xml><?xml version="1.0" encoding="utf-8"?>
@@ -13714,18 +13706,18 @@
 </file>
 
 <file path=customXml/itemProps1.xml><?xml version="1.0" encoding="utf-8"?>
-<ds:datastoreItem xmlns:ds="http://schemas.openxmlformats.org/officeDocument/2006/customXml" ds:itemID="{2B3F61BD-BC02-4B8C-AD9A-DFC07AE334C2}">
+<ds:datastoreItem xmlns:ds="http://schemas.openxmlformats.org/officeDocument/2006/customXml" ds:itemID="{639C0DF1-D44A-4A56-82A9-CDA5D2FBC8F5}">
   <ds:schemaRefs>
-    <ds:schemaRef ds:uri="http://schemas.microsoft.com/office/2006/metadata/properties"/>
-    <ds:schemaRef ds:uri="http://schemas.microsoft.com/office/infopath/2007/PartnerControls"/>
+    <ds:schemaRef ds:uri="http://schemas.microsoft.com/sharepoint/v3/contenttype/forms"/>
   </ds:schemaRefs>
 </ds:datastoreItem>
 </file>
 
 <file path=customXml/itemProps2.xml><?xml version="1.0" encoding="utf-8"?>
-<ds:datastoreItem xmlns:ds="http://schemas.openxmlformats.org/officeDocument/2006/customXml" ds:itemID="{639C0DF1-D44A-4A56-82A9-CDA5D2FBC8F5}">
+<ds:datastoreItem xmlns:ds="http://schemas.openxmlformats.org/officeDocument/2006/customXml" ds:itemID="{2B3F61BD-BC02-4B8C-AD9A-DFC07AE334C2}">
   <ds:schemaRefs>
-    <ds:schemaRef ds:uri="http://schemas.microsoft.com/sharepoint/v3/contenttype/forms"/>
+    <ds:schemaRef ds:uri="http://schemas.microsoft.com/office/2006/metadata/properties"/>
+    <ds:schemaRef ds:uri="http://schemas.microsoft.com/office/infopath/2007/PartnerControls"/>
   </ds:schemaRefs>
 </ds:datastoreItem>
 </file>
